--- a/docs/presentation-1.pptx
+++ b/docs/presentation-1.pptx
@@ -6,6 +6,13 @@
   </p:sldMasterIdLst>
   <p:sldIdLst>
     <p:sldId id="256" r:id="rId2"/>
+    <p:sldId id="257" r:id="rId3"/>
+    <p:sldId id="258" r:id="rId4"/>
+    <p:sldId id="259" r:id="rId5"/>
+    <p:sldId id="263" r:id="rId6"/>
+    <p:sldId id="260" r:id="rId7"/>
+    <p:sldId id="261" r:id="rId8"/>
+    <p:sldId id="262" r:id="rId9"/>
   </p:sldIdLst>
   <p:sldSz cx="9144000" cy="6858000" type="screen4x3"/>
   <p:notesSz cx="6858000" cy="9144000"/>
@@ -576,7 +583,7 @@
             <a:fld id="{7D0065BE-0657-4A47-90AD-C21C55E16B19}" type="datetime4">
               <a:rPr lang="en-US" smtClean="0"/>
               <a:pPr/>
-              <a:t>January 24, 2012</a:t>
+              <a:t>January 30, 2012</a:t>
             </a:fld>
             <a:endParaRPr lang="en-US"/>
           </a:p>
@@ -743,7 +750,7 @@
             <a:fld id="{A16C3AA4-67BE-44F7-809A-3582401494AF}" type="datetime4">
               <a:rPr lang="en-US" smtClean="0"/>
               <a:pPr/>
-              <a:t>January 24, 2012</a:t>
+              <a:t>January 30, 2012</a:t>
             </a:fld>
             <a:endParaRPr lang="en-US"/>
           </a:p>
@@ -920,7 +927,7 @@
             <a:fld id="{25172EEB-1769-4776-AD69-E7C1260563EB}" type="datetime4">
               <a:rPr lang="en-US" smtClean="0"/>
               <a:pPr/>
-              <a:t>January 24, 2012</a:t>
+              <a:t>January 30, 2012</a:t>
             </a:fld>
             <a:endParaRPr lang="en-US"/>
           </a:p>
@@ -1087,7 +1094,7 @@
             <a:fld id="{D47BB8AF-C16A-4836-A92D-61834B5F0BA5}" type="datetime4">
               <a:rPr lang="en-US" smtClean="0"/>
               <a:pPr/>
-              <a:t>January 24, 2012</a:t>
+              <a:t>January 30, 2012</a:t>
             </a:fld>
             <a:endParaRPr lang="en-US"/>
           </a:p>
@@ -1642,7 +1649,7 @@
             <a:fld id="{647D2193-4505-4A75-99BB-880C6989A757}" type="datetime4">
               <a:rPr lang="en-US" smtClean="0"/>
               <a:pPr/>
-              <a:t>January 24, 2012</a:t>
+              <a:t>January 30, 2012</a:t>
             </a:fld>
             <a:endParaRPr lang="en-US"/>
           </a:p>
@@ -1904,7 +1911,7 @@
             <a:fld id="{113A18F4-33C3-445B-924C-31108C51719C}" type="datetime4">
               <a:rPr lang="en-US" smtClean="0"/>
               <a:pPr/>
-              <a:t>January 24, 2012</a:t>
+              <a:t>January 30, 2012</a:t>
             </a:fld>
             <a:endParaRPr lang="en-US"/>
           </a:p>
@@ -2394,7 +2401,7 @@
             <a:fld id="{3AF7543A-E259-478F-9E0D-57BA40E442B7}" type="datetime4">
               <a:rPr lang="en-US" smtClean="0"/>
               <a:pPr/>
-              <a:t>January 24, 2012</a:t>
+              <a:t>January 30, 2012</a:t>
             </a:fld>
             <a:endParaRPr lang="en-US"/>
           </a:p>
@@ -2509,7 +2516,7 @@
             <a:fld id="{1EFB012D-77A1-44B0-BB26-329BA1EE55C9}" type="datetime4">
               <a:rPr lang="en-US" smtClean="0"/>
               <a:pPr/>
-              <a:t>January 24, 2012</a:t>
+              <a:t>January 30, 2012</a:t>
             </a:fld>
             <a:endParaRPr lang="en-US"/>
           </a:p>
@@ -2601,7 +2608,7 @@
             <a:fld id="{94B7499E-3031-413E-B01E-B94970708CAA}" type="datetime4">
               <a:rPr lang="en-US" smtClean="0"/>
               <a:pPr/>
-              <a:t>January 24, 2012</a:t>
+              <a:t>January 30, 2012</a:t>
             </a:fld>
             <a:endParaRPr lang="en-US"/>
           </a:p>
@@ -3033,7 +3040,7 @@
             <a:fld id="{DC7EAB0C-2220-4D0E-A0DD-DB7FA0F742F4}" type="datetime4">
               <a:rPr lang="en-US" smtClean="0"/>
               <a:pPr/>
-              <a:t>January 24, 2012</a:t>
+              <a:t>January 30, 2012</a:t>
             </a:fld>
             <a:endParaRPr lang="en-US"/>
           </a:p>
@@ -3568,7 +3575,7 @@
             <a:fld id="{E3416D63-31BF-4B94-B6C5-E20B2C63F515}" type="datetime4">
               <a:rPr lang="en-US" smtClean="0"/>
               <a:pPr/>
-              <a:t>January 24, 2012</a:t>
+              <a:t>January 30, 2012</a:t>
             </a:fld>
             <a:endParaRPr lang="en-US"/>
           </a:p>
@@ -4410,7 +4417,7 @@
             <a:fld id="{62B1B13E-D5AF-485E-81A1-82A140076526}" type="datetime4">
               <a:rPr lang="en-US" smtClean="0"/>
               <a:pPr/>
-              <a:t>January 24, 2012</a:t>
+              <a:t>January 30, 2012</a:t>
             </a:fld>
             <a:endParaRPr lang="en-US" dirty="0"/>
           </a:p>
@@ -4824,7 +4831,17 @@
           <a:bodyPr/>
           <a:lstStyle/>
           <a:p>
-            <a:endParaRPr lang="en-US"/>
+            <a:r>
+              <a:rPr lang="en-US" dirty="0" err="1" smtClean="0">
+                <a:latin typeface="Museo Sans 500"/>
+                <a:cs typeface="Museo Sans 500"/>
+              </a:rPr>
+              <a:t>PlanetDEfense</a:t>
+            </a:r>
+            <a:endParaRPr lang="en-US" dirty="0">
+              <a:latin typeface="Museo Sans 500"/>
+              <a:cs typeface="Museo Sans 500"/>
+            </a:endParaRPr>
           </a:p>
         </p:txBody>
       </p:sp>
@@ -4843,7 +4860,17 @@
           <a:bodyPr/>
           <a:lstStyle/>
           <a:p>
-            <a:endParaRPr lang="en-US"/>
+            <a:r>
+              <a:rPr lang="en-US" dirty="0" smtClean="0">
+                <a:latin typeface="Museo Sans 500 Italic"/>
+                <a:cs typeface="Museo Sans 500 Italic"/>
+              </a:rPr>
+              <a:t>Csce3513 Team 6 game Project – Spring2012</a:t>
+            </a:r>
+            <a:endParaRPr lang="en-US" dirty="0">
+              <a:latin typeface="Museo Sans 500 Italic"/>
+              <a:cs typeface="Museo Sans 500 Italic"/>
+            </a:endParaRPr>
           </a:p>
         </p:txBody>
       </p:sp>
@@ -4851,6 +4878,1365 @@
     <p:extLst>
       <p:ext uri="{BB962C8B-B14F-4D97-AF65-F5344CB8AC3E}">
         <p14:creationId xmlns:p14="http://schemas.microsoft.com/office/powerpoint/2010/main" val="2477923576"/>
+      </p:ext>
+    </p:extLst>
+  </p:cSld>
+  <p:clrMapOvr>
+    <a:masterClrMapping/>
+  </p:clrMapOvr>
+</p:sld>
+</file>
+
+<file path=ppt/slides/slide2.xml><?xml version="1.0" encoding="utf-8"?>
+<p:sld xmlns:a="http://schemas.openxmlformats.org/drawingml/2006/main" xmlns:r="http://schemas.openxmlformats.org/officeDocument/2006/relationships" xmlns:p="http://schemas.openxmlformats.org/presentationml/2006/main">
+  <p:cSld>
+    <p:spTree>
+      <p:nvGrpSpPr>
+        <p:cNvPr id="1" name=""/>
+        <p:cNvGrpSpPr/>
+        <p:nvPr/>
+      </p:nvGrpSpPr>
+      <p:grpSpPr>
+        <a:xfrm>
+          <a:off x="0" y="0"/>
+          <a:ext cx="0" cy="0"/>
+          <a:chOff x="0" y="0"/>
+          <a:chExt cx="0" cy="0"/>
+        </a:xfrm>
+      </p:grpSpPr>
+      <p:sp>
+        <p:nvSpPr>
+          <p:cNvPr id="2" name="Title 1"/>
+          <p:cNvSpPr>
+            <a:spLocks noGrp="1"/>
+          </p:cNvSpPr>
+          <p:nvPr>
+            <p:ph type="title"/>
+          </p:nvPr>
+        </p:nvSpPr>
+        <p:spPr/>
+        <p:txBody>
+          <a:bodyPr/>
+          <a:lstStyle/>
+          <a:p>
+            <a:r>
+              <a:rPr lang="en-US" dirty="0" smtClean="0">
+                <a:latin typeface="Museo Sans 500"/>
+                <a:cs typeface="Museo Sans 500"/>
+              </a:rPr>
+              <a:t>Description:</a:t>
+            </a:r>
+            <a:endParaRPr lang="en-US" dirty="0">
+              <a:latin typeface="Museo Sans 500"/>
+              <a:cs typeface="Museo Sans 500"/>
+            </a:endParaRPr>
+          </a:p>
+        </p:txBody>
+      </p:sp>
+      <p:sp>
+        <p:nvSpPr>
+          <p:cNvPr id="3" name="Content Placeholder 2"/>
+          <p:cNvSpPr>
+            <a:spLocks noGrp="1"/>
+          </p:cNvSpPr>
+          <p:nvPr>
+            <p:ph idx="1"/>
+          </p:nvPr>
+        </p:nvSpPr>
+        <p:spPr/>
+        <p:txBody>
+          <a:bodyPr>
+            <a:normAutofit/>
+          </a:bodyPr>
+          <a:lstStyle/>
+          <a:p>
+            <a:r>
+              <a:rPr lang="en-US" b="0" dirty="0" err="1" smtClean="0">
+                <a:latin typeface="Museo Sans 300"/>
+                <a:cs typeface="Museo Sans 300"/>
+              </a:rPr>
+              <a:t>PlanetDefense</a:t>
+            </a:r>
+            <a:r>
+              <a:rPr lang="en-US" b="0" dirty="0" smtClean="0">
+                <a:latin typeface="Museo Sans 300"/>
+                <a:cs typeface="Museo Sans 300"/>
+              </a:rPr>
+              <a:t> will be a 2D game where the player flies a space ship just outside of the atmosphere and must shoot down asteroids that are falling towards Earth. The earth will have a health bar displayed and if too many asteroids hit the planet the health will be depleted and the game will be over. </a:t>
+            </a:r>
+            <a:endParaRPr lang="en-US" b="0" dirty="0">
+              <a:latin typeface="Museo Sans 300"/>
+              <a:cs typeface="Museo Sans 300"/>
+            </a:endParaRPr>
+          </a:p>
+          <a:p>
+            <a:r>
+              <a:rPr lang="en-US" dirty="0" smtClean="0">
+                <a:latin typeface="Museo Sans 300"/>
+                <a:cs typeface="Museo Sans 300"/>
+              </a:rPr>
+              <a:t>	Possible enhancements include: </a:t>
+            </a:r>
+          </a:p>
+          <a:p>
+            <a:pPr lvl="4"/>
+            <a:r>
+              <a:rPr lang="en-US" dirty="0" smtClean="0">
+                <a:latin typeface="Museo Sans 300"/>
+                <a:cs typeface="Museo Sans 300"/>
+              </a:rPr>
+              <a:t> Enemy ships in addition to the asteroids</a:t>
+            </a:r>
+          </a:p>
+          <a:p>
+            <a:pPr lvl="4"/>
+            <a:r>
+              <a:rPr lang="en-US" dirty="0" smtClean="0">
+                <a:latin typeface="Museo Sans 300"/>
+                <a:cs typeface="Museo Sans 300"/>
+              </a:rPr>
+              <a:t> Facebook login integration and high scores maintained online</a:t>
+            </a:r>
+          </a:p>
+          <a:p>
+            <a:pPr lvl="4"/>
+            <a:r>
+              <a:rPr lang="en-US" dirty="0">
+                <a:latin typeface="Museo Sans 300"/>
+                <a:cs typeface="Museo Sans 300"/>
+              </a:rPr>
+              <a:t> </a:t>
+            </a:r>
+            <a:r>
+              <a:rPr lang="en-US" dirty="0" smtClean="0">
+                <a:latin typeface="Museo Sans 300"/>
+                <a:cs typeface="Museo Sans 300"/>
+              </a:rPr>
+              <a:t>Choosing your ship</a:t>
+            </a:r>
+          </a:p>
+          <a:p>
+            <a:pPr lvl="4"/>
+            <a:r>
+              <a:rPr lang="en-US" dirty="0">
+                <a:latin typeface="Museo Sans 300"/>
+                <a:cs typeface="Museo Sans 300"/>
+              </a:rPr>
+              <a:t> </a:t>
+            </a:r>
+            <a:r>
+              <a:rPr lang="en-US" dirty="0" smtClean="0">
+                <a:latin typeface="Museo Sans 300"/>
+                <a:cs typeface="Museo Sans 300"/>
+              </a:rPr>
+              <a:t>Progression through levels</a:t>
+            </a:r>
+          </a:p>
+          <a:p>
+            <a:pPr lvl="4"/>
+            <a:r>
+              <a:rPr lang="en-US" dirty="0">
+                <a:latin typeface="Museo Sans 300"/>
+                <a:cs typeface="Museo Sans 300"/>
+              </a:rPr>
+              <a:t> </a:t>
+            </a:r>
+            <a:r>
+              <a:rPr lang="en-US" dirty="0" smtClean="0">
+                <a:latin typeface="Museo Sans 300"/>
+                <a:cs typeface="Museo Sans 300"/>
+              </a:rPr>
+              <a:t>Earning points earns you ‘currency’ to purchase upgrades			</a:t>
+            </a:r>
+            <a:endParaRPr lang="en-US" dirty="0">
+              <a:latin typeface="Museo Sans 300"/>
+              <a:cs typeface="Museo Sans 300"/>
+            </a:endParaRPr>
+          </a:p>
+        </p:txBody>
+      </p:sp>
+    </p:spTree>
+    <p:extLst>
+      <p:ext uri="{BB962C8B-B14F-4D97-AF65-F5344CB8AC3E}">
+        <p14:creationId xmlns:p14="http://schemas.microsoft.com/office/powerpoint/2010/main" val="1232366913"/>
+      </p:ext>
+    </p:extLst>
+  </p:cSld>
+  <p:clrMapOvr>
+    <a:masterClrMapping/>
+  </p:clrMapOvr>
+</p:sld>
+</file>
+
+<file path=ppt/slides/slide3.xml><?xml version="1.0" encoding="utf-8"?>
+<p:sld xmlns:a="http://schemas.openxmlformats.org/drawingml/2006/main" xmlns:r="http://schemas.openxmlformats.org/officeDocument/2006/relationships" xmlns:p="http://schemas.openxmlformats.org/presentationml/2006/main">
+  <p:cSld>
+    <p:spTree>
+      <p:nvGrpSpPr>
+        <p:cNvPr id="1" name=""/>
+        <p:cNvGrpSpPr/>
+        <p:nvPr/>
+      </p:nvGrpSpPr>
+      <p:grpSpPr>
+        <a:xfrm>
+          <a:off x="0" y="0"/>
+          <a:ext cx="0" cy="0"/>
+          <a:chOff x="0" y="0"/>
+          <a:chExt cx="0" cy="0"/>
+        </a:xfrm>
+      </p:grpSpPr>
+      <p:sp>
+        <p:nvSpPr>
+          <p:cNvPr id="2" name="Title 1"/>
+          <p:cNvSpPr>
+            <a:spLocks noGrp="1"/>
+          </p:cNvSpPr>
+          <p:nvPr>
+            <p:ph type="title"/>
+          </p:nvPr>
+        </p:nvSpPr>
+        <p:spPr/>
+        <p:txBody>
+          <a:bodyPr/>
+          <a:lstStyle/>
+          <a:p>
+            <a:r>
+              <a:rPr lang="en-US" dirty="0" smtClean="0">
+                <a:latin typeface="Museo Sans 500"/>
+                <a:cs typeface="Museo Sans 500"/>
+              </a:rPr>
+              <a:t>Initial View design:</a:t>
+            </a:r>
+            <a:endParaRPr lang="en-US" dirty="0">
+              <a:latin typeface="Museo Sans 500"/>
+              <a:cs typeface="Museo Sans 500"/>
+            </a:endParaRPr>
+          </a:p>
+        </p:txBody>
+      </p:sp>
+      <p:pic>
+        <p:nvPicPr>
+          <p:cNvPr id="4" name="Content Placeholder 3" descr="Game Sketch.png"/>
+          <p:cNvPicPr>
+            <a:picLocks noGrp="1" noChangeAspect="1"/>
+          </p:cNvPicPr>
+          <p:nvPr>
+            <p:ph idx="1"/>
+          </p:nvPr>
+        </p:nvPicPr>
+        <p:blipFill>
+          <a:blip r:embed="rId2">
+            <a:extLst>
+              <a:ext uri="{28A0092B-C50C-407E-A947-70E740481C1C}">
+                <a14:useLocalDpi xmlns:a14="http://schemas.microsoft.com/office/drawing/2010/main" val="0"/>
+              </a:ext>
+            </a:extLst>
+          </a:blip>
+          <a:srcRect t="7694" b="7694"/>
+          <a:stretch>
+            <a:fillRect/>
+          </a:stretch>
+        </p:blipFill>
+        <p:spPr>
+          <a:xfrm>
+            <a:off x="669455" y="1100628"/>
+            <a:ext cx="7862374" cy="3742366"/>
+          </a:xfrm>
+        </p:spPr>
+      </p:pic>
+    </p:spTree>
+    <p:extLst>
+      <p:ext uri="{BB962C8B-B14F-4D97-AF65-F5344CB8AC3E}">
+        <p14:creationId xmlns:p14="http://schemas.microsoft.com/office/powerpoint/2010/main" val="3840237859"/>
+      </p:ext>
+    </p:extLst>
+  </p:cSld>
+  <p:clrMapOvr>
+    <a:masterClrMapping/>
+  </p:clrMapOvr>
+</p:sld>
+</file>
+
+<file path=ppt/slides/slide4.xml><?xml version="1.0" encoding="utf-8"?>
+<p:sld xmlns:a="http://schemas.openxmlformats.org/drawingml/2006/main" xmlns:r="http://schemas.openxmlformats.org/officeDocument/2006/relationships" xmlns:p="http://schemas.openxmlformats.org/presentationml/2006/main">
+  <p:cSld>
+    <p:spTree>
+      <p:nvGrpSpPr>
+        <p:cNvPr id="1" name=""/>
+        <p:cNvGrpSpPr/>
+        <p:nvPr/>
+      </p:nvGrpSpPr>
+      <p:grpSpPr>
+        <a:xfrm>
+          <a:off x="0" y="0"/>
+          <a:ext cx="0" cy="0"/>
+          <a:chOff x="0" y="0"/>
+          <a:chExt cx="0" cy="0"/>
+        </a:xfrm>
+      </p:grpSpPr>
+      <p:sp>
+        <p:nvSpPr>
+          <p:cNvPr id="2" name="Title 1"/>
+          <p:cNvSpPr>
+            <a:spLocks noGrp="1"/>
+          </p:cNvSpPr>
+          <p:nvPr>
+            <p:ph type="title"/>
+          </p:nvPr>
+        </p:nvSpPr>
+        <p:spPr/>
+        <p:txBody>
+          <a:bodyPr/>
+          <a:lstStyle/>
+          <a:p>
+            <a:r>
+              <a:rPr lang="en-US" dirty="0" smtClean="0">
+                <a:latin typeface="Museo Sans 500"/>
+                <a:cs typeface="Museo Sans 500"/>
+              </a:rPr>
+              <a:t>Platform and Libraries:</a:t>
+            </a:r>
+            <a:endParaRPr lang="en-US" dirty="0">
+              <a:latin typeface="Museo Sans 500"/>
+              <a:cs typeface="Museo Sans 500"/>
+            </a:endParaRPr>
+          </a:p>
+        </p:txBody>
+      </p:sp>
+      <p:pic>
+        <p:nvPicPr>
+          <p:cNvPr id="5" name="Content Placeholder 4" descr="ruby.png"/>
+          <p:cNvPicPr>
+            <a:picLocks noGrp="1" noChangeAspect="1"/>
+          </p:cNvPicPr>
+          <p:nvPr>
+            <p:ph idx="1"/>
+          </p:nvPr>
+        </p:nvPicPr>
+        <p:blipFill rotWithShape="1">
+          <a:blip r:embed="rId2">
+            <a:extLst>
+              <a:ext uri="{28A0092B-C50C-407E-A947-70E740481C1C}">
+                <a14:useLocalDpi xmlns:a14="http://schemas.microsoft.com/office/drawing/2010/main" val="0"/>
+              </a:ext>
+            </a:extLst>
+          </a:blip>
+          <a:srcRect t="203" b="-1192"/>
+          <a:stretch/>
+        </p:blipFill>
+        <p:spPr>
+          <a:xfrm>
+            <a:off x="822960" y="938708"/>
+            <a:ext cx="1483801" cy="1500118"/>
+          </a:xfrm>
+        </p:spPr>
+      </p:pic>
+      <p:sp>
+        <p:nvSpPr>
+          <p:cNvPr id="6" name="TextBox 5"/>
+          <p:cNvSpPr txBox="1"/>
+          <p:nvPr/>
+        </p:nvSpPr>
+        <p:spPr>
+          <a:xfrm>
+            <a:off x="2306761" y="1688767"/>
+            <a:ext cx="5463030" cy="400110"/>
+          </a:xfrm>
+          <a:prstGeom prst="rect">
+            <a:avLst/>
+          </a:prstGeom>
+          <a:noFill/>
+        </p:spPr>
+        <p:txBody>
+          <a:bodyPr wrap="none" rtlCol="0">
+            <a:spAutoFit/>
+          </a:bodyPr>
+          <a:lstStyle/>
+          <a:p>
+            <a:r>
+              <a:rPr lang="en-US" sz="2000" dirty="0" smtClean="0">
+                <a:latin typeface="Museo Sans 300"/>
+                <a:cs typeface="Museo Sans 300"/>
+              </a:rPr>
+              <a:t>Ruby Programming Language (Multiplatform)</a:t>
+            </a:r>
+            <a:endParaRPr lang="en-US" sz="2000" dirty="0">
+              <a:latin typeface="Museo Sans 300"/>
+              <a:cs typeface="Museo Sans 300"/>
+            </a:endParaRPr>
+          </a:p>
+        </p:txBody>
+      </p:sp>
+      <p:pic>
+        <p:nvPicPr>
+          <p:cNvPr id="7" name="Picture 6" descr="website_header.png"/>
+          <p:cNvPicPr>
+            <a:picLocks noChangeAspect="1"/>
+          </p:cNvPicPr>
+          <p:nvPr/>
+        </p:nvPicPr>
+        <p:blipFill>
+          <a:blip r:embed="rId3">
+            <a:extLst>
+              <a:ext uri="{28A0092B-C50C-407E-A947-70E740481C1C}">
+                <a14:useLocalDpi xmlns:a14="http://schemas.microsoft.com/office/drawing/2010/main" val="0"/>
+              </a:ext>
+            </a:extLst>
+          </a:blip>
+          <a:stretch>
+            <a:fillRect/>
+          </a:stretch>
+        </p:blipFill>
+        <p:spPr>
+          <a:xfrm>
+            <a:off x="5405020" y="2550480"/>
+            <a:ext cx="2938880" cy="1203104"/>
+          </a:xfrm>
+          <a:prstGeom prst="rect">
+            <a:avLst/>
+          </a:prstGeom>
+        </p:spPr>
+      </p:pic>
+      <p:sp>
+        <p:nvSpPr>
+          <p:cNvPr id="8" name="TextBox 7"/>
+          <p:cNvSpPr txBox="1"/>
+          <p:nvPr/>
+        </p:nvSpPr>
+        <p:spPr>
+          <a:xfrm>
+            <a:off x="898658" y="2996042"/>
+            <a:ext cx="4506362" cy="400110"/>
+          </a:xfrm>
+          <a:prstGeom prst="rect">
+            <a:avLst/>
+          </a:prstGeom>
+          <a:noFill/>
+        </p:spPr>
+        <p:txBody>
+          <a:bodyPr wrap="none" rtlCol="0">
+            <a:spAutoFit/>
+          </a:bodyPr>
+          <a:lstStyle/>
+          <a:p>
+            <a:r>
+              <a:rPr lang="en-US" sz="2000" dirty="0" err="1" smtClean="0">
+                <a:latin typeface="Museo Sans 300"/>
+                <a:cs typeface="Museo Sans 300"/>
+              </a:rPr>
+              <a:t>Gosu</a:t>
+            </a:r>
+            <a:r>
+              <a:rPr lang="en-US" sz="2000" dirty="0" smtClean="0">
+                <a:latin typeface="Museo Sans 300"/>
+                <a:cs typeface="Museo Sans 300"/>
+              </a:rPr>
+              <a:t> 2D Game Development Library</a:t>
+            </a:r>
+            <a:endParaRPr lang="en-US" sz="2000" dirty="0">
+              <a:latin typeface="Museo Sans 300"/>
+              <a:cs typeface="Museo Sans 300"/>
+            </a:endParaRPr>
+          </a:p>
+        </p:txBody>
+      </p:sp>
+      <p:sp>
+        <p:nvSpPr>
+          <p:cNvPr id="10" name="TextBox 9"/>
+          <p:cNvSpPr txBox="1"/>
+          <p:nvPr/>
+        </p:nvSpPr>
+        <p:spPr>
+          <a:xfrm>
+            <a:off x="2894732" y="4280088"/>
+            <a:ext cx="3084945" cy="400110"/>
+          </a:xfrm>
+          <a:prstGeom prst="rect">
+            <a:avLst/>
+          </a:prstGeom>
+          <a:noFill/>
+        </p:spPr>
+        <p:txBody>
+          <a:bodyPr wrap="none" rtlCol="0">
+            <a:spAutoFit/>
+          </a:bodyPr>
+          <a:lstStyle/>
+          <a:p>
+            <a:r>
+              <a:rPr lang="en-US" sz="2000" dirty="0" smtClean="0">
+                <a:latin typeface="Museo Sans 300"/>
+                <a:cs typeface="Museo Sans 300"/>
+              </a:rPr>
+              <a:t>Ruby Testing Framework</a:t>
+            </a:r>
+            <a:endParaRPr lang="en-US" sz="2000" dirty="0">
+              <a:latin typeface="Museo Sans 300"/>
+              <a:cs typeface="Museo Sans 300"/>
+            </a:endParaRPr>
+          </a:p>
+        </p:txBody>
+      </p:sp>
+      <p:sp>
+        <p:nvSpPr>
+          <p:cNvPr id="11" name="TextBox 10"/>
+          <p:cNvSpPr txBox="1"/>
+          <p:nvPr/>
+        </p:nvSpPr>
+        <p:spPr>
+          <a:xfrm>
+            <a:off x="683794" y="3879978"/>
+            <a:ext cx="2210938" cy="923330"/>
+          </a:xfrm>
+          <a:prstGeom prst="rect">
+            <a:avLst/>
+          </a:prstGeom>
+          <a:noFill/>
+        </p:spPr>
+        <p:txBody>
+          <a:bodyPr wrap="none" rtlCol="0">
+            <a:spAutoFit/>
+          </a:bodyPr>
+          <a:lstStyle/>
+          <a:p>
+            <a:r>
+              <a:rPr lang="en-US" sz="5400" b="1" dirty="0" err="1" smtClean="0">
+                <a:ln w="12700">
+                  <a:solidFill>
+                    <a:schemeClr val="tx2">
+                      <a:satMod val="155000"/>
+                    </a:schemeClr>
+                  </a:solidFill>
+                  <a:prstDash val="solid"/>
+                </a:ln>
+                <a:solidFill>
+                  <a:srgbClr val="FF0000"/>
+                </a:solidFill>
+                <a:effectLst>
+                  <a:outerShdw blurRad="41275" dist="20320" dir="1800000" algn="tl" rotWithShape="0">
+                    <a:srgbClr val="000000">
+                      <a:alpha val="40000"/>
+                    </a:srgbClr>
+                  </a:outerShdw>
+                </a:effectLst>
+                <a:latin typeface="Museo Sans 500"/>
+                <a:cs typeface="Museo Sans 500"/>
+              </a:rPr>
+              <a:t>RSpec</a:t>
+            </a:r>
+            <a:endParaRPr lang="en-US" sz="5400" b="1" dirty="0">
+              <a:ln w="12700">
+                <a:solidFill>
+                  <a:schemeClr val="tx2">
+                    <a:satMod val="155000"/>
+                  </a:schemeClr>
+                </a:solidFill>
+                <a:prstDash val="solid"/>
+              </a:ln>
+              <a:solidFill>
+                <a:srgbClr val="FF0000"/>
+              </a:solidFill>
+              <a:effectLst>
+                <a:outerShdw blurRad="41275" dist="20320" dir="1800000" algn="tl" rotWithShape="0">
+                  <a:srgbClr val="000000">
+                    <a:alpha val="40000"/>
+                  </a:srgbClr>
+                </a:outerShdw>
+              </a:effectLst>
+              <a:latin typeface="Museo Sans 500"/>
+              <a:cs typeface="Museo Sans 500"/>
+            </a:endParaRPr>
+          </a:p>
+        </p:txBody>
+      </p:sp>
+    </p:spTree>
+    <p:extLst>
+      <p:ext uri="{BB962C8B-B14F-4D97-AF65-F5344CB8AC3E}">
+        <p14:creationId xmlns:p14="http://schemas.microsoft.com/office/powerpoint/2010/main" val="2245379040"/>
+      </p:ext>
+    </p:extLst>
+  </p:cSld>
+  <p:clrMapOvr>
+    <a:masterClrMapping/>
+  </p:clrMapOvr>
+</p:sld>
+</file>
+
+<file path=ppt/slides/slide5.xml><?xml version="1.0" encoding="utf-8"?>
+<p:sld xmlns:a="http://schemas.openxmlformats.org/drawingml/2006/main" xmlns:r="http://schemas.openxmlformats.org/officeDocument/2006/relationships" xmlns:p="http://schemas.openxmlformats.org/presentationml/2006/main">
+  <p:cSld>
+    <p:spTree>
+      <p:nvGrpSpPr>
+        <p:cNvPr id="1" name=""/>
+        <p:cNvGrpSpPr/>
+        <p:nvPr/>
+      </p:nvGrpSpPr>
+      <p:grpSpPr>
+        <a:xfrm>
+          <a:off x="0" y="0"/>
+          <a:ext cx="0" cy="0"/>
+          <a:chOff x="0" y="0"/>
+          <a:chExt cx="0" cy="0"/>
+        </a:xfrm>
+      </p:grpSpPr>
+      <p:sp>
+        <p:nvSpPr>
+          <p:cNvPr id="2" name="Title 1"/>
+          <p:cNvSpPr>
+            <a:spLocks noGrp="1"/>
+          </p:cNvSpPr>
+          <p:nvPr>
+            <p:ph type="title"/>
+          </p:nvPr>
+        </p:nvSpPr>
+        <p:spPr/>
+        <p:txBody>
+          <a:bodyPr/>
+          <a:lstStyle/>
+          <a:p>
+            <a:r>
+              <a:rPr lang="en-US" dirty="0" smtClean="0">
+                <a:latin typeface="Museo Sans 500"/>
+                <a:cs typeface="Museo Sans 500"/>
+              </a:rPr>
+              <a:t>Release License: </a:t>
+            </a:r>
+            <a:endParaRPr lang="en-US" dirty="0">
+              <a:latin typeface="Museo Sans 500"/>
+              <a:cs typeface="Museo Sans 500"/>
+            </a:endParaRPr>
+          </a:p>
+        </p:txBody>
+      </p:sp>
+      <p:sp>
+        <p:nvSpPr>
+          <p:cNvPr id="3" name="Content Placeholder 2"/>
+          <p:cNvSpPr>
+            <a:spLocks noGrp="1"/>
+          </p:cNvSpPr>
+          <p:nvPr>
+            <p:ph idx="1"/>
+          </p:nvPr>
+        </p:nvSpPr>
+        <p:spPr/>
+        <p:txBody>
+          <a:bodyPr>
+            <a:normAutofit fontScale="77500" lnSpcReduction="20000"/>
+          </a:bodyPr>
+          <a:lstStyle/>
+          <a:p>
+            <a:pPr algn="just"/>
+            <a:r>
+              <a:rPr lang="en-US" dirty="0"/>
+              <a:t>The MIT License (MIT) Copyright (c) 2012</a:t>
+            </a:r>
+          </a:p>
+          <a:p>
+            <a:pPr algn="just"/>
+            <a:endParaRPr lang="en-US" dirty="0"/>
+          </a:p>
+          <a:p>
+            <a:pPr algn="just"/>
+            <a:r>
+              <a:rPr lang="en-US" dirty="0"/>
+              <a:t>Permission is hereby granted, free of charge, to any person obtaining a copy of this software and </a:t>
+            </a:r>
+            <a:r>
+              <a:rPr lang="en-US" dirty="0" smtClean="0"/>
+              <a:t>associated documentation </a:t>
+            </a:r>
+            <a:r>
+              <a:rPr lang="en-US" dirty="0"/>
+              <a:t>files (the "Software"), to deal in the Software without restriction, including without limitation the rights to use, copy, modify, merge, publish, distribute, sublicense, and/or sell copies of the Software, and to permit persons to whom the Software is furnished to do so, subject to the following conditions:</a:t>
+            </a:r>
+          </a:p>
+          <a:p>
+            <a:pPr algn="just"/>
+            <a:endParaRPr lang="en-US" dirty="0"/>
+          </a:p>
+          <a:p>
+            <a:pPr algn="just"/>
+            <a:r>
+              <a:rPr lang="en-US" dirty="0"/>
+              <a:t>The above copyright notice and this permission notice shall be included in all copies or substantial portions of the Software.</a:t>
+            </a:r>
+          </a:p>
+          <a:p>
+            <a:pPr algn="just"/>
+            <a:endParaRPr lang="en-US" dirty="0"/>
+          </a:p>
+          <a:p>
+            <a:pPr algn="just"/>
+            <a:r>
+              <a:rPr lang="en-US" dirty="0"/>
+              <a:t>THE SOFTWARE IS PROVIDED "AS IS", WITHOUT WARRANTY OF ANY KIND, EXPRESS OR IMPLIED, INCLUDING BUT NOT LIMITED TO THE WARRANTIES OF MERCHANTABILITY, FITNESS FOR A PARTICULAR PURPOSE AND NONINFRINGEMENT. IN NO EVENT SHALL THE AUTHORS OR COPYRIGHT HOLDERS BE LIABLE FOR ANY CLAIM, DAMAGES OR OTHER LIABILITY, WHETHER IN AN ACTION OF CONTRACT, TORT OR OTHERWISE, ARISING FROM, OUT OF OR IN CONNECTION WITH THE SOFTWARE OR THE USE OR OTHER DEALINGS IN THE SOFTWARE.</a:t>
+            </a:r>
+          </a:p>
+        </p:txBody>
+      </p:sp>
+    </p:spTree>
+    <p:extLst>
+      <p:ext uri="{BB962C8B-B14F-4D97-AF65-F5344CB8AC3E}">
+        <p14:creationId xmlns:p14="http://schemas.microsoft.com/office/powerpoint/2010/main" val="1036922572"/>
+      </p:ext>
+    </p:extLst>
+  </p:cSld>
+  <p:clrMapOvr>
+    <a:masterClrMapping/>
+  </p:clrMapOvr>
+</p:sld>
+</file>
+
+<file path=ppt/slides/slide6.xml><?xml version="1.0" encoding="utf-8"?>
+<p:sld xmlns:a="http://schemas.openxmlformats.org/drawingml/2006/main" xmlns:r="http://schemas.openxmlformats.org/officeDocument/2006/relationships" xmlns:p="http://schemas.openxmlformats.org/presentationml/2006/main">
+  <p:cSld>
+    <p:spTree>
+      <p:nvGrpSpPr>
+        <p:cNvPr id="1" name=""/>
+        <p:cNvGrpSpPr/>
+        <p:nvPr/>
+      </p:nvGrpSpPr>
+      <p:grpSpPr>
+        <a:xfrm>
+          <a:off x="0" y="0"/>
+          <a:ext cx="0" cy="0"/>
+          <a:chOff x="0" y="0"/>
+          <a:chExt cx="0" cy="0"/>
+        </a:xfrm>
+      </p:grpSpPr>
+      <p:sp>
+        <p:nvSpPr>
+          <p:cNvPr id="2" name="Title 1"/>
+          <p:cNvSpPr>
+            <a:spLocks noGrp="1"/>
+          </p:cNvSpPr>
+          <p:nvPr>
+            <p:ph type="title"/>
+          </p:nvPr>
+        </p:nvSpPr>
+        <p:spPr/>
+        <p:txBody>
+          <a:bodyPr/>
+          <a:lstStyle/>
+          <a:p>
+            <a:r>
+              <a:rPr lang="en-US" dirty="0" smtClean="0">
+                <a:latin typeface="Museo Sans 500"/>
+                <a:cs typeface="Museo Sans 500"/>
+              </a:rPr>
+              <a:t>Tasks for initial Alpha release:	</a:t>
+            </a:r>
+            <a:endParaRPr lang="en-US" dirty="0">
+              <a:latin typeface="Museo Sans 500"/>
+              <a:cs typeface="Museo Sans 500"/>
+            </a:endParaRPr>
+          </a:p>
+        </p:txBody>
+      </p:sp>
+      <p:sp>
+        <p:nvSpPr>
+          <p:cNvPr id="3" name="Content Placeholder 2"/>
+          <p:cNvSpPr>
+            <a:spLocks noGrp="1"/>
+          </p:cNvSpPr>
+          <p:nvPr>
+            <p:ph idx="1"/>
+          </p:nvPr>
+        </p:nvSpPr>
+        <p:spPr/>
+        <p:txBody>
+          <a:bodyPr/>
+          <a:lstStyle/>
+          <a:p>
+            <a:pPr marL="285750" indent="-285750">
+              <a:buFont typeface="Arial"/>
+              <a:buChar char="•"/>
+            </a:pPr>
+            <a:r>
+              <a:rPr lang="en-US" dirty="0" smtClean="0">
+                <a:latin typeface="Museo Sans 300"/>
+                <a:cs typeface="Museo Sans 300"/>
+              </a:rPr>
+              <a:t>Admin</a:t>
+            </a:r>
+          </a:p>
+          <a:p>
+            <a:pPr lvl="2"/>
+            <a:r>
+              <a:rPr lang="en-US" dirty="0" smtClean="0">
+                <a:latin typeface="Museo Sans 300"/>
+                <a:cs typeface="Museo Sans 300"/>
+              </a:rPr>
+              <a:t>Ideate and document user stories for remainder of game development</a:t>
+            </a:r>
+          </a:p>
+          <a:p>
+            <a:pPr lvl="2"/>
+            <a:r>
+              <a:rPr lang="en-US" dirty="0" smtClean="0">
+                <a:latin typeface="Museo Sans 300"/>
+                <a:cs typeface="Museo Sans 300"/>
+              </a:rPr>
+              <a:t>Input stories into </a:t>
+            </a:r>
+            <a:r>
+              <a:rPr lang="en-US" dirty="0" err="1" smtClean="0">
+                <a:latin typeface="Museo Sans 300"/>
+                <a:cs typeface="Museo Sans 300"/>
+              </a:rPr>
+              <a:t>Github</a:t>
+            </a:r>
+            <a:r>
+              <a:rPr lang="en-US" dirty="0" smtClean="0">
+                <a:latin typeface="Museo Sans 300"/>
+                <a:cs typeface="Museo Sans 300"/>
+              </a:rPr>
+              <a:t> Issues and assign to milestones</a:t>
+            </a:r>
+          </a:p>
+          <a:p>
+            <a:pPr lvl="2"/>
+            <a:r>
+              <a:rPr lang="en-US" dirty="0" smtClean="0">
+                <a:latin typeface="Museo Sans 300"/>
+                <a:cs typeface="Museo Sans 300"/>
+              </a:rPr>
+              <a:t>Plan initial sprint</a:t>
+            </a:r>
+          </a:p>
+          <a:p>
+            <a:pPr marL="0" indent="0"/>
+            <a:endParaRPr lang="en-US" b="0" dirty="0">
+              <a:latin typeface="Museo Sans 300"/>
+              <a:cs typeface="Museo Sans 300"/>
+            </a:endParaRPr>
+          </a:p>
+          <a:p>
+            <a:pPr>
+              <a:buFont typeface="Arial"/>
+              <a:buChar char="•"/>
+            </a:pPr>
+            <a:r>
+              <a:rPr lang="en-US" dirty="0" smtClean="0">
+                <a:latin typeface="Museo Sans 300"/>
+                <a:cs typeface="Museo Sans 300"/>
+              </a:rPr>
+              <a:t>Coding</a:t>
+            </a:r>
+          </a:p>
+          <a:p>
+            <a:pPr lvl="2"/>
+            <a:r>
+              <a:rPr lang="en-US" dirty="0" smtClean="0">
+                <a:latin typeface="Museo Sans 300"/>
+                <a:cs typeface="Museo Sans 300"/>
+              </a:rPr>
+              <a:t>Game initializes</a:t>
+            </a:r>
+          </a:p>
+          <a:p>
+            <a:pPr lvl="2"/>
+            <a:r>
+              <a:rPr lang="en-US" dirty="0" smtClean="0">
+                <a:latin typeface="Museo Sans 300"/>
+                <a:cs typeface="Museo Sans 300"/>
+              </a:rPr>
+              <a:t>Background image loads</a:t>
+            </a:r>
+          </a:p>
+          <a:p>
+            <a:pPr lvl="2"/>
+            <a:r>
+              <a:rPr lang="en-US" dirty="0" smtClean="0">
+                <a:latin typeface="Museo Sans 300"/>
+                <a:cs typeface="Museo Sans 300"/>
+              </a:rPr>
+              <a:t>Ship loads</a:t>
+            </a:r>
+          </a:p>
+          <a:p>
+            <a:pPr lvl="2"/>
+            <a:r>
+              <a:rPr lang="en-US" dirty="0" smtClean="0">
+                <a:latin typeface="Museo Sans 300"/>
+                <a:cs typeface="Museo Sans 300"/>
+              </a:rPr>
+              <a:t>Ship inputs x and y movement on view</a:t>
+            </a:r>
+          </a:p>
+        </p:txBody>
+      </p:sp>
+    </p:spTree>
+    <p:extLst>
+      <p:ext uri="{BB962C8B-B14F-4D97-AF65-F5344CB8AC3E}">
+        <p14:creationId xmlns:p14="http://schemas.microsoft.com/office/powerpoint/2010/main" val="3573889142"/>
+      </p:ext>
+    </p:extLst>
+  </p:cSld>
+  <p:clrMapOvr>
+    <a:masterClrMapping/>
+  </p:clrMapOvr>
+</p:sld>
+</file>
+
+<file path=ppt/slides/slide7.xml><?xml version="1.0" encoding="utf-8"?>
+<p:sld xmlns:a="http://schemas.openxmlformats.org/drawingml/2006/main" xmlns:r="http://schemas.openxmlformats.org/officeDocument/2006/relationships" xmlns:p="http://schemas.openxmlformats.org/presentationml/2006/main">
+  <p:cSld>
+    <p:spTree>
+      <p:nvGrpSpPr>
+        <p:cNvPr id="1" name=""/>
+        <p:cNvGrpSpPr/>
+        <p:nvPr/>
+      </p:nvGrpSpPr>
+      <p:grpSpPr>
+        <a:xfrm>
+          <a:off x="0" y="0"/>
+          <a:ext cx="0" cy="0"/>
+          <a:chOff x="0" y="0"/>
+          <a:chExt cx="0" cy="0"/>
+        </a:xfrm>
+      </p:grpSpPr>
+      <p:sp>
+        <p:nvSpPr>
+          <p:cNvPr id="2" name="Title 1"/>
+          <p:cNvSpPr>
+            <a:spLocks noGrp="1"/>
+          </p:cNvSpPr>
+          <p:nvPr>
+            <p:ph type="title"/>
+          </p:nvPr>
+        </p:nvSpPr>
+        <p:spPr/>
+        <p:txBody>
+          <a:bodyPr/>
+          <a:lstStyle/>
+          <a:p>
+            <a:r>
+              <a:rPr lang="en-US" dirty="0" smtClean="0">
+                <a:latin typeface="Museo Sans 500"/>
+                <a:cs typeface="Museo Sans 500"/>
+              </a:rPr>
+              <a:t>Task Assignments</a:t>
+            </a:r>
+            <a:endParaRPr lang="en-US" dirty="0">
+              <a:latin typeface="Museo Sans 500"/>
+              <a:cs typeface="Museo Sans 500"/>
+            </a:endParaRPr>
+          </a:p>
+        </p:txBody>
+      </p:sp>
+      <p:sp>
+        <p:nvSpPr>
+          <p:cNvPr id="3" name="Content Placeholder 2"/>
+          <p:cNvSpPr>
+            <a:spLocks noGrp="1"/>
+          </p:cNvSpPr>
+          <p:nvPr>
+            <p:ph idx="1"/>
+          </p:nvPr>
+        </p:nvSpPr>
+        <p:spPr/>
+        <p:txBody>
+          <a:bodyPr/>
+          <a:lstStyle/>
+          <a:p>
+            <a:r>
+              <a:rPr lang="en-US" dirty="0" smtClean="0">
+                <a:latin typeface="Museo Sans 300"/>
+                <a:cs typeface="Museo Sans 300"/>
+              </a:rPr>
+              <a:t>Initial assignments:</a:t>
+            </a:r>
+          </a:p>
+          <a:p>
+            <a:r>
+              <a:rPr lang="en-US" b="0" dirty="0" smtClean="0">
+                <a:latin typeface="Museo Sans 300"/>
+                <a:cs typeface="Museo Sans 300"/>
+              </a:rPr>
+              <a:t>	Denton: Wireframes and mockups</a:t>
+            </a:r>
+          </a:p>
+          <a:p>
+            <a:r>
+              <a:rPr lang="en-US" b="0" dirty="0" smtClean="0">
+                <a:latin typeface="Museo Sans 300"/>
+                <a:cs typeface="Museo Sans 300"/>
+              </a:rPr>
+              <a:t>	</a:t>
+            </a:r>
+            <a:r>
+              <a:rPr lang="en-US" b="0" dirty="0" err="1" smtClean="0">
+                <a:latin typeface="Museo Sans 300"/>
+                <a:cs typeface="Museo Sans 300"/>
+              </a:rPr>
+              <a:t>Addam</a:t>
+            </a:r>
+            <a:r>
+              <a:rPr lang="en-US" b="0" dirty="0" smtClean="0">
+                <a:latin typeface="Museo Sans 300"/>
+                <a:cs typeface="Museo Sans 300"/>
+              </a:rPr>
+              <a:t>/Michael: Coding tasks 1 &amp; 2 from previous slide</a:t>
+            </a:r>
+          </a:p>
+          <a:p>
+            <a:r>
+              <a:rPr lang="en-US" b="0" dirty="0" smtClean="0">
+                <a:latin typeface="Museo Sans 300"/>
+                <a:cs typeface="Museo Sans 300"/>
+              </a:rPr>
+              <a:t>	Denton/Bryan: Coding tasks 3 &amp; 4 from previous slide</a:t>
+            </a:r>
+          </a:p>
+          <a:p>
+            <a:endParaRPr lang="en-US" b="0" dirty="0">
+              <a:latin typeface="Museo Sans 300"/>
+              <a:cs typeface="Museo Sans 300"/>
+            </a:endParaRPr>
+          </a:p>
+          <a:p>
+            <a:pPr algn="ctr"/>
+            <a:r>
+              <a:rPr lang="en-US" dirty="0" smtClean="0">
+                <a:latin typeface="Museo Sans 300"/>
+                <a:cs typeface="Museo Sans 300"/>
+              </a:rPr>
+              <a:t>Further tasks &amp; user stories will be inputted and assigned in </a:t>
+            </a:r>
+            <a:r>
+              <a:rPr lang="en-US" dirty="0" err="1" smtClean="0">
+                <a:latin typeface="Museo Sans 300"/>
+                <a:cs typeface="Museo Sans 300"/>
+              </a:rPr>
+              <a:t>Github</a:t>
+            </a:r>
+            <a:r>
+              <a:rPr lang="en-US" dirty="0" smtClean="0">
+                <a:latin typeface="Museo Sans 300"/>
+                <a:cs typeface="Museo Sans 300"/>
+              </a:rPr>
+              <a:t> Issues.</a:t>
+            </a:r>
+          </a:p>
+          <a:p>
+            <a:pPr algn="ctr"/>
+            <a:endParaRPr lang="en-US" dirty="0">
+              <a:latin typeface="Museo Sans 300"/>
+              <a:cs typeface="Museo Sans 300"/>
+            </a:endParaRPr>
+          </a:p>
+          <a:p>
+            <a:r>
+              <a:rPr lang="en-US" dirty="0" smtClean="0">
+                <a:latin typeface="Museo Sans 300"/>
+                <a:cs typeface="Museo Sans 300"/>
+              </a:rPr>
+              <a:t>Time Frame: </a:t>
+            </a:r>
+          </a:p>
+          <a:p>
+            <a:r>
+              <a:rPr lang="en-US" dirty="0">
+                <a:latin typeface="Museo Sans 300"/>
+                <a:cs typeface="Museo Sans 300"/>
+              </a:rPr>
+              <a:t>	</a:t>
+            </a:r>
+            <a:r>
+              <a:rPr lang="en-US" b="0" dirty="0" smtClean="0">
+                <a:latin typeface="Museo Sans 300"/>
+                <a:cs typeface="Museo Sans 300"/>
+              </a:rPr>
+              <a:t>1 week per pair assignment</a:t>
+            </a:r>
+            <a:endParaRPr lang="en-US" dirty="0">
+              <a:latin typeface="Museo Sans 300"/>
+              <a:cs typeface="Museo Sans 300"/>
+            </a:endParaRPr>
+          </a:p>
+        </p:txBody>
+      </p:sp>
+    </p:spTree>
+    <p:extLst>
+      <p:ext uri="{BB962C8B-B14F-4D97-AF65-F5344CB8AC3E}">
+        <p14:creationId xmlns:p14="http://schemas.microsoft.com/office/powerpoint/2010/main" val="465153192"/>
+      </p:ext>
+    </p:extLst>
+  </p:cSld>
+  <p:clrMapOvr>
+    <a:masterClrMapping/>
+  </p:clrMapOvr>
+</p:sld>
+</file>
+
+<file path=ppt/slides/slide8.xml><?xml version="1.0" encoding="utf-8"?>
+<p:sld xmlns:a="http://schemas.openxmlformats.org/drawingml/2006/main" xmlns:r="http://schemas.openxmlformats.org/officeDocument/2006/relationships" xmlns:p="http://schemas.openxmlformats.org/presentationml/2006/main">
+  <p:cSld>
+    <p:spTree>
+      <p:nvGrpSpPr>
+        <p:cNvPr id="1" name=""/>
+        <p:cNvGrpSpPr/>
+        <p:nvPr/>
+      </p:nvGrpSpPr>
+      <p:grpSpPr>
+        <a:xfrm>
+          <a:off x="0" y="0"/>
+          <a:ext cx="0" cy="0"/>
+          <a:chOff x="0" y="0"/>
+          <a:chExt cx="0" cy="0"/>
+        </a:xfrm>
+      </p:grpSpPr>
+      <p:sp>
+        <p:nvSpPr>
+          <p:cNvPr id="2" name="Title 1"/>
+          <p:cNvSpPr>
+            <a:spLocks noGrp="1"/>
+          </p:cNvSpPr>
+          <p:nvPr>
+            <p:ph type="title"/>
+          </p:nvPr>
+        </p:nvSpPr>
+        <p:spPr/>
+        <p:txBody>
+          <a:bodyPr/>
+          <a:lstStyle/>
+          <a:p>
+            <a:r>
+              <a:rPr lang="en-US" dirty="0" smtClean="0">
+                <a:latin typeface="Museo Sans 500"/>
+                <a:cs typeface="Museo Sans 500"/>
+              </a:rPr>
+              <a:t>Meetings To Date:</a:t>
+            </a:r>
+            <a:endParaRPr lang="en-US" dirty="0">
+              <a:latin typeface="Museo Sans 500"/>
+              <a:cs typeface="Museo Sans 500"/>
+            </a:endParaRPr>
+          </a:p>
+        </p:txBody>
+      </p:sp>
+      <p:graphicFrame>
+        <p:nvGraphicFramePr>
+          <p:cNvPr id="4" name="Content Placeholder 3"/>
+          <p:cNvGraphicFramePr>
+            <a:graphicFrameLocks noGrp="1"/>
+          </p:cNvGraphicFramePr>
+          <p:nvPr>
+            <p:ph idx="1"/>
+            <p:extLst>
+              <p:ext uri="{D42A27DB-BD31-4B8C-83A1-F6EECF244321}">
+                <p14:modId xmlns:p14="http://schemas.microsoft.com/office/powerpoint/2010/main" val="1061903563"/>
+              </p:ext>
+            </p:extLst>
+          </p:nvPr>
+        </p:nvGraphicFramePr>
+        <p:xfrm>
+          <a:off x="822324" y="2049196"/>
+          <a:ext cx="7521576" cy="1719128"/>
+        </p:xfrm>
+        <a:graphic>
+          <a:graphicData uri="http://schemas.openxmlformats.org/drawingml/2006/table">
+            <a:tbl>
+              <a:tblPr firstRow="1" bandRow="1">
+                <a:tableStyleId>{5C22544A-7EE6-4342-B048-85BDC9FD1C3A}</a:tableStyleId>
+              </a:tblPr>
+              <a:tblGrid>
+                <a:gridCol w="2507192"/>
+                <a:gridCol w="2507192"/>
+                <a:gridCol w="2507192"/>
+              </a:tblGrid>
+              <a:tr h="429782">
+                <a:tc>
+                  <a:txBody>
+                    <a:bodyPr/>
+                    <a:lstStyle/>
+                    <a:p>
+                      <a:r>
+                        <a:rPr lang="en-US" dirty="0" smtClean="0"/>
+                        <a:t>Date</a:t>
+                      </a:r>
+                      <a:endParaRPr lang="en-US" dirty="0"/>
+                    </a:p>
+                  </a:txBody>
+                  <a:tcPr/>
+                </a:tc>
+                <a:tc>
+                  <a:txBody>
+                    <a:bodyPr/>
+                    <a:lstStyle/>
+                    <a:p>
+                      <a:r>
+                        <a:rPr lang="en-US" dirty="0" smtClean="0"/>
+                        <a:t>Mode</a:t>
+                      </a:r>
+                      <a:endParaRPr lang="en-US" dirty="0"/>
+                    </a:p>
+                  </a:txBody>
+                  <a:tcPr/>
+                </a:tc>
+                <a:tc>
+                  <a:txBody>
+                    <a:bodyPr/>
+                    <a:lstStyle/>
+                    <a:p>
+                      <a:r>
+                        <a:rPr lang="en-US" dirty="0" smtClean="0"/>
+                        <a:t>Attended</a:t>
+                      </a:r>
+                      <a:endParaRPr lang="en-US" dirty="0"/>
+                    </a:p>
+                  </a:txBody>
+                  <a:tcPr/>
+                </a:tc>
+              </a:tr>
+              <a:tr h="429782">
+                <a:tc>
+                  <a:txBody>
+                    <a:bodyPr/>
+                    <a:lstStyle/>
+                    <a:p>
+                      <a:r>
+                        <a:rPr lang="en-US" dirty="0" smtClean="0"/>
+                        <a:t>Tuesday, 24</a:t>
+                      </a:r>
+                      <a:r>
+                        <a:rPr lang="en-US" baseline="0" dirty="0" smtClean="0"/>
+                        <a:t> Jan 12</a:t>
+                      </a:r>
+                      <a:endParaRPr lang="en-US" dirty="0"/>
+                    </a:p>
+                  </a:txBody>
+                  <a:tcPr/>
+                </a:tc>
+                <a:tc>
+                  <a:txBody>
+                    <a:bodyPr/>
+                    <a:lstStyle/>
+                    <a:p>
+                      <a:r>
+                        <a:rPr lang="en-US" dirty="0" smtClean="0"/>
+                        <a:t>In person</a:t>
+                      </a:r>
+                      <a:endParaRPr lang="en-US" dirty="0"/>
+                    </a:p>
+                  </a:txBody>
+                  <a:tcPr/>
+                </a:tc>
+                <a:tc>
+                  <a:txBody>
+                    <a:bodyPr/>
+                    <a:lstStyle/>
+                    <a:p>
+                      <a:r>
+                        <a:rPr lang="en-US" dirty="0" smtClean="0"/>
+                        <a:t>Entire Team</a:t>
+                      </a:r>
+                      <a:endParaRPr lang="en-US" dirty="0"/>
+                    </a:p>
+                  </a:txBody>
+                  <a:tcPr/>
+                </a:tc>
+              </a:tr>
+              <a:tr h="429782">
+                <a:tc>
+                  <a:txBody>
+                    <a:bodyPr/>
+                    <a:lstStyle/>
+                    <a:p>
+                      <a:r>
+                        <a:rPr lang="en-US" dirty="0" smtClean="0"/>
+                        <a:t>Thursday, 26 Jan 12</a:t>
+                      </a:r>
+                      <a:endParaRPr lang="en-US" dirty="0"/>
+                    </a:p>
+                  </a:txBody>
+                  <a:tcPr/>
+                </a:tc>
+                <a:tc>
+                  <a:txBody>
+                    <a:bodyPr/>
+                    <a:lstStyle/>
+                    <a:p>
+                      <a:r>
+                        <a:rPr lang="en-US" dirty="0" smtClean="0"/>
+                        <a:t>In person</a:t>
+                      </a:r>
+                      <a:endParaRPr lang="en-US" dirty="0"/>
+                    </a:p>
+                  </a:txBody>
+                  <a:tcPr/>
+                </a:tc>
+                <a:tc>
+                  <a:txBody>
+                    <a:bodyPr/>
+                    <a:lstStyle/>
+                    <a:p>
+                      <a:r>
+                        <a:rPr lang="en-US" dirty="0" smtClean="0"/>
+                        <a:t>Entire Team</a:t>
+                      </a:r>
+                      <a:endParaRPr lang="en-US" dirty="0"/>
+                    </a:p>
+                  </a:txBody>
+                  <a:tcPr/>
+                </a:tc>
+              </a:tr>
+              <a:tr h="429782">
+                <a:tc>
+                  <a:txBody>
+                    <a:bodyPr/>
+                    <a:lstStyle/>
+                    <a:p>
+                      <a:r>
+                        <a:rPr lang="en-US" dirty="0" smtClean="0"/>
+                        <a:t>Saturday,</a:t>
+                      </a:r>
+                      <a:r>
+                        <a:rPr lang="en-US" baseline="0" dirty="0" smtClean="0"/>
+                        <a:t> 28 Jan 12</a:t>
+                      </a:r>
+                      <a:endParaRPr lang="en-US" dirty="0"/>
+                    </a:p>
+                  </a:txBody>
+                  <a:tcPr/>
+                </a:tc>
+                <a:tc>
+                  <a:txBody>
+                    <a:bodyPr/>
+                    <a:lstStyle/>
+                    <a:p>
+                      <a:r>
+                        <a:rPr lang="en-US" dirty="0" err="1" smtClean="0"/>
+                        <a:t>GoogleTalk</a:t>
+                      </a:r>
+                      <a:endParaRPr lang="en-US" dirty="0"/>
+                    </a:p>
+                  </a:txBody>
+                  <a:tcPr/>
+                </a:tc>
+                <a:tc>
+                  <a:txBody>
+                    <a:bodyPr/>
+                    <a:lstStyle/>
+                    <a:p>
+                      <a:r>
+                        <a:rPr lang="en-US" dirty="0" smtClean="0"/>
+                        <a:t>Entire Team</a:t>
+                      </a:r>
+                      <a:endParaRPr lang="en-US" dirty="0"/>
+                    </a:p>
+                  </a:txBody>
+                  <a:tcPr/>
+                </a:tc>
+              </a:tr>
+            </a:tbl>
+          </a:graphicData>
+        </a:graphic>
+      </p:graphicFrame>
+    </p:spTree>
+    <p:extLst>
+      <p:ext uri="{BB962C8B-B14F-4D97-AF65-F5344CB8AC3E}">
+        <p14:creationId xmlns:p14="http://schemas.microsoft.com/office/powerpoint/2010/main" val="2991964524"/>
       </p:ext>
     </p:extLst>
   </p:cSld>
